--- a/999/杨赛转正答辩.pptx
+++ b/999/杨赛转正答辩.pptx
@@ -1151,7 +1151,7 @@
             <p:cNvPr id="13" name="îṥļîḑé-L-Shape 6">
               <a:extLst>
                 <a:ext uri="{FF2B5EF4-FFF2-40B4-BE49-F238E27FC236}">
-                  <a16:creationId xmlns:a16="http://schemas.microsoft.com/office/drawing/2014/main" xmlns="" id="{589AC225-401A-40B6-B91F-76B891B5ADCB}"/>
+                  <a16:creationId xmlns="" xmlns:a16="http://schemas.microsoft.com/office/drawing/2014/main" id="{589AC225-401A-40B6-B91F-76B891B5ADCB}"/>
                 </a:ext>
               </a:extLst>
             </p:cNvPr>
@@ -1202,7 +1202,7 @@
             <p:cNvPr id="14" name="îṥļîḑé-L-Shape 7">
               <a:extLst>
                 <a:ext uri="{FF2B5EF4-FFF2-40B4-BE49-F238E27FC236}">
-                  <a16:creationId xmlns:a16="http://schemas.microsoft.com/office/drawing/2014/main" xmlns="" id="{F6694553-5BF1-48B3-ACB6-25F5D9F90AFE}"/>
+                  <a16:creationId xmlns="" xmlns:a16="http://schemas.microsoft.com/office/drawing/2014/main" id="{F6694553-5BF1-48B3-ACB6-25F5D9F90AFE}"/>
                 </a:ext>
               </a:extLst>
             </p:cNvPr>
@@ -1253,7 +1253,7 @@
             <p:cNvPr id="15" name="îṥļîḑé-L-Shape 8">
               <a:extLst>
                 <a:ext uri="{FF2B5EF4-FFF2-40B4-BE49-F238E27FC236}">
-                  <a16:creationId xmlns:a16="http://schemas.microsoft.com/office/drawing/2014/main" xmlns="" id="{404B872F-AEFD-45E1-BC15-4C7E16733F3B}"/>
+                  <a16:creationId xmlns="" xmlns:a16="http://schemas.microsoft.com/office/drawing/2014/main" id="{404B872F-AEFD-45E1-BC15-4C7E16733F3B}"/>
                 </a:ext>
               </a:extLst>
             </p:cNvPr>
@@ -1304,7 +1304,7 @@
             <p:cNvPr id="16" name="îṥļîḑé-L-Shape 9">
               <a:extLst>
                 <a:ext uri="{FF2B5EF4-FFF2-40B4-BE49-F238E27FC236}">
-                  <a16:creationId xmlns:a16="http://schemas.microsoft.com/office/drawing/2014/main" xmlns="" id="{A0D78791-664D-414F-8B1B-B2FB964385BA}"/>
+                  <a16:creationId xmlns="" xmlns:a16="http://schemas.microsoft.com/office/drawing/2014/main" id="{A0D78791-664D-414F-8B1B-B2FB964385BA}"/>
                 </a:ext>
               </a:extLst>
             </p:cNvPr>
@@ -2646,53 +2646,6 @@
       </p:pic>
       <p:sp>
         <p:nvSpPr>
-          <p:cNvPr id="5" name="矩形 4"/>
-          <p:cNvSpPr/>
-          <p:nvPr/>
-        </p:nvSpPr>
-        <p:spPr>
-          <a:xfrm>
-            <a:off x="2946017" y="4078510"/>
-            <a:ext cx="6582993" cy="318549"/>
-          </a:xfrm>
-          <a:prstGeom prst="rect">
-            <a:avLst/>
-          </a:prstGeom>
-        </p:spPr>
-        <p:txBody>
-          <a:bodyPr wrap="square">
-            <a:spAutoFit/>
-          </a:bodyPr>
-          <a:lstStyle/>
-          <a:p>
-            <a:pPr lvl="0" algn="ctr" defTabSz="914400" fontAlgn="base">
-              <a:lnSpc>
-                <a:spcPct val="105000"/>
-              </a:lnSpc>
-              <a:spcBef>
-                <a:spcPct val="20000"/>
-              </a:spcBef>
-              <a:spcAft>
-                <a:spcPct val="0"/>
-              </a:spcAft>
-              <a:defRPr/>
-            </a:pPr>
-            <a:r>
-              <a:rPr lang="zh-CN" altLang="en-US" sz="1400" b="1" dirty="0">
-                <a:solidFill>
-                  <a:srgbClr val="FFFF00"/>
-                </a:solidFill>
-                <a:latin typeface="宋体" panose="02010600030101010101" pitchFamily="2" charset="-122"/>
-                <a:cs typeface="Times New Roman" panose="02020603050405020304" pitchFamily="18" charset="0"/>
-                <a:sym typeface="+mn-ea"/>
-              </a:rPr>
-              <a:t>请您从工作输出、个人成长、不足以及对公司的建议这几方面填写</a:t>
-            </a:r>
-          </a:p>
-        </p:txBody>
-      </p:sp>
-      <p:sp>
-        <p:nvSpPr>
           <p:cNvPr id="7" name="副标题 3"/>
           <p:cNvSpPr txBox="1">
             <a:spLocks/>
@@ -3618,11 +3571,7 @@
             </a:pPr>
             <a:r>
               <a:rPr lang="zh-CN" altLang="zh-CN" sz="2000" dirty="0" smtClean="0"/>
-              <a:t>易宝工号</a:t>
-            </a:r>
-            <a:r>
-              <a:rPr lang="zh-CN" altLang="zh-CN" sz="2000" dirty="0" smtClean="0"/>
-              <a:t>：</a:t>
+              <a:t>易宝工号：</a:t>
             </a:r>
             <a:r>
               <a:rPr lang="en-US" altLang="zh-CN" sz="2000" dirty="0" smtClean="0"/>

--- a/999/杨赛转正答辩.pptx
+++ b/999/杨赛转正答辩.pptx
@@ -1151,7 +1151,7 @@
             <p:cNvPr id="13" name="îṥļîḑé-L-Shape 6">
               <a:extLst>
                 <a:ext uri="{FF2B5EF4-FFF2-40B4-BE49-F238E27FC236}">
-                  <a16:creationId xmlns="" xmlns:a16="http://schemas.microsoft.com/office/drawing/2014/main" id="{589AC225-401A-40B6-B91F-76B891B5ADCB}"/>
+                  <a16:creationId xmlns:a16="http://schemas.microsoft.com/office/drawing/2014/main" xmlns="" id="{589AC225-401A-40B6-B91F-76B891B5ADCB}"/>
                 </a:ext>
               </a:extLst>
             </p:cNvPr>
@@ -1202,7 +1202,7 @@
             <p:cNvPr id="14" name="îṥļîḑé-L-Shape 7">
               <a:extLst>
                 <a:ext uri="{FF2B5EF4-FFF2-40B4-BE49-F238E27FC236}">
-                  <a16:creationId xmlns="" xmlns:a16="http://schemas.microsoft.com/office/drawing/2014/main" id="{F6694553-5BF1-48B3-ACB6-25F5D9F90AFE}"/>
+                  <a16:creationId xmlns:a16="http://schemas.microsoft.com/office/drawing/2014/main" xmlns="" id="{F6694553-5BF1-48B3-ACB6-25F5D9F90AFE}"/>
                 </a:ext>
               </a:extLst>
             </p:cNvPr>
@@ -1253,7 +1253,7 @@
             <p:cNvPr id="15" name="îṥļîḑé-L-Shape 8">
               <a:extLst>
                 <a:ext uri="{FF2B5EF4-FFF2-40B4-BE49-F238E27FC236}">
-                  <a16:creationId xmlns="" xmlns:a16="http://schemas.microsoft.com/office/drawing/2014/main" id="{404B872F-AEFD-45E1-BC15-4C7E16733F3B}"/>
+                  <a16:creationId xmlns:a16="http://schemas.microsoft.com/office/drawing/2014/main" xmlns="" id="{404B872F-AEFD-45E1-BC15-4C7E16733F3B}"/>
                 </a:ext>
               </a:extLst>
             </p:cNvPr>
@@ -1304,7 +1304,7 @@
             <p:cNvPr id="16" name="îṥļîḑé-L-Shape 9">
               <a:extLst>
                 <a:ext uri="{FF2B5EF4-FFF2-40B4-BE49-F238E27FC236}">
-                  <a16:creationId xmlns="" xmlns:a16="http://schemas.microsoft.com/office/drawing/2014/main" id="{A0D78791-664D-414F-8B1B-B2FB964385BA}"/>
+                  <a16:creationId xmlns:a16="http://schemas.microsoft.com/office/drawing/2014/main" xmlns="" id="{A0D78791-664D-414F-8B1B-B2FB964385BA}"/>
                 </a:ext>
               </a:extLst>
             </p:cNvPr>
@@ -4029,24 +4029,24 @@
                 <a:latin typeface="华文宋体" panose="02010600040101010101" pitchFamily="2" charset="-122"/>
                 <a:ea typeface="华文宋体" panose="02010600040101010101" pitchFamily="2" charset="-122"/>
               </a:rPr>
-              <a:t>主要完成部分响应式静态页面的编写以及原有页面</a:t>
-            </a:r>
-            <a:r>
-              <a:rPr lang="en-US" altLang="zh-CN" sz="1400" dirty="0" smtClean="0">
-                <a:latin typeface="华文宋体" panose="02010600040101010101" pitchFamily="2" charset="-122"/>
-                <a:ea typeface="华文宋体" panose="02010600040101010101" pitchFamily="2" charset="-122"/>
-              </a:rPr>
-              <a:t>bug</a:t>
+              <a:t>主要完成部分响应式静态页面</a:t>
             </a:r>
             <a:r>
               <a:rPr lang="zh-CN" altLang="en-US" sz="1400" dirty="0" smtClean="0">
                 <a:latin typeface="华文宋体" panose="02010600040101010101" pitchFamily="2" charset="-122"/>
                 <a:ea typeface="华文宋体" panose="02010600040101010101" pitchFamily="2" charset="-122"/>
               </a:rPr>
-              <a:t>修复</a:t>
-            </a:r>
-            <a:r>
-              <a:rPr lang="en-US" altLang="zh-CN" sz="1400" dirty="0" smtClean="0">
+              <a:t>的</a:t>
+            </a:r>
+            <a:r>
+              <a:rPr lang="zh-CN" altLang="en-US" sz="1400" smtClean="0">
+                <a:latin typeface="华文宋体" panose="02010600040101010101" pitchFamily="2" charset="-122"/>
+                <a:ea typeface="华文宋体" panose="02010600040101010101" pitchFamily="2" charset="-122"/>
+              </a:rPr>
+              <a:t>开发以及参与了部分问题单的修改</a:t>
+            </a:r>
+            <a:r>
+              <a:rPr lang="en-US" altLang="zh-CN" sz="1400" smtClean="0">
                 <a:latin typeface="华文宋体" panose="02010600040101010101" pitchFamily="2" charset="-122"/>
                 <a:ea typeface="华文宋体" panose="02010600040101010101" pitchFamily="2" charset="-122"/>
               </a:rPr>
